--- a/Presentation.pptx
+++ b/Presentation.pptx
@@ -762,7 +762,7 @@
           <a:p>
             <a:fld id="{23AD794A-17F4-48F7-A14F-39DCAE091952}" type="datetimeFigureOut">
               <a:rPr lang="en-US" smtClean="0"/>
-              <a:t>8/11/2022</a:t>
+              <a:t>8/14/22</a:t>
             </a:fld>
             <a:endParaRPr lang="en-US" dirty="0"/>
           </a:p>
@@ -939,7 +939,7 @@
           <a:p>
             <a:fld id="{594C6A87-CC60-415C-BFEE-13D1CAD6861A}" type="datetimeFigureOut">
               <a:rPr lang="en-US" smtClean="0"/>
-              <a:t>8/11/2022</a:t>
+              <a:t>8/14/22</a:t>
             </a:fld>
             <a:endParaRPr lang="en-US" dirty="0"/>
           </a:p>
@@ -28467,7 +28467,7 @@
         </p:nvGrpSpPr>
         <p:grpSpPr>
           <a:xfrm>
-            <a:off x="6354195" y="997200"/>
+            <a:off x="6451487" y="1112149"/>
             <a:ext cx="5338860" cy="3238898"/>
             <a:chOff x="511728" y="1019175"/>
             <a:chExt cx="5041784" cy="3749878"/>
@@ -28656,8 +28656,8 @@
           </p:nvSpPr>
           <p:spPr>
             <a:xfrm>
-              <a:off x="451206" y="5424457"/>
-              <a:ext cx="4858027" cy="369332"/>
+              <a:off x="451205" y="5140467"/>
+              <a:ext cx="4858027" cy="923330"/>
             </a:xfrm>
             <a:prstGeom prst="rect">
               <a:avLst/>
@@ -28680,6 +28680,22 @@
                   </a:solidFill>
                 </a:rPr>
                 <a:t>DATA TECHNIQUES</a:t>
+              </a:r>
+            </a:p>
+            <a:p>
+              <a:pPr marL="285750" indent="-285750" algn="ctr">
+                <a:buFont typeface="Arial" panose="020B0604020202020204" pitchFamily="34" charset="0"/>
+                <a:buChar char="•"/>
+              </a:pPr>
+              <a:r>
+                <a:rPr lang="en-US" b="1" dirty="0">
+                  <a:solidFill>
+                    <a:schemeClr val="accent4">
+                      <a:lumMod val="75000"/>
+                    </a:schemeClr>
+                  </a:solidFill>
+                </a:rPr>
+                <a:t>S&amp;P 500 data, sourced csv through webpage and used the read_csv format to pull.</a:t>
               </a:r>
             </a:p>
           </p:txBody>
@@ -28958,7 +28974,7 @@
                     </a:schemeClr>
                   </a:solidFill>
                 </a:rPr>
-                <a:t>Stock market crashing in ’73 XX.X%</a:t>
+                <a:t>Stock market crashing in ’74 (-26.47%)</a:t>
               </a:r>
             </a:p>
             <a:p>
@@ -29009,6 +29025,36 @@
           </p:txBody>
         </p:sp>
       </p:grpSp>
+      <p:pic>
+        <p:nvPicPr>
+          <p:cNvPr id="18" name="Picture 17">
+            <a:extLst>
+              <a:ext uri="{FF2B5EF4-FFF2-40B4-BE49-F238E27FC236}">
+                <a16:creationId xmlns:a16="http://schemas.microsoft.com/office/drawing/2014/main" id="{3E272100-5E9E-93F0-77DA-0A63072F4CC5}"/>
+              </a:ext>
+            </a:extLst>
+          </p:cNvPr>
+          <p:cNvPicPr>
+            <a:picLocks noChangeAspect="1"/>
+          </p:cNvPicPr>
+          <p:nvPr/>
+        </p:nvPicPr>
+        <p:blipFill>
+          <a:blip r:embed="rId2"/>
+          <a:stretch>
+            <a:fillRect/>
+          </a:stretch>
+        </p:blipFill>
+        <p:spPr>
+          <a:xfrm>
+            <a:off x="6451486" y="1112149"/>
+            <a:ext cx="5338860" cy="3212447"/>
+          </a:xfrm>
+          <a:prstGeom prst="rect">
+            <a:avLst/>
+          </a:prstGeom>
+        </p:spPr>
+      </p:pic>
     </p:spTree>
     <p:extLst>
       <p:ext uri="{BB962C8B-B14F-4D97-AF65-F5344CB8AC3E}">
@@ -29299,8 +29345,8 @@
           </p:nvSpPr>
           <p:spPr>
             <a:xfrm>
-              <a:off x="479707" y="5524689"/>
-              <a:ext cx="4858027" cy="369332"/>
+              <a:off x="479707" y="5109191"/>
+              <a:ext cx="4858027" cy="1200329"/>
             </a:xfrm>
             <a:prstGeom prst="rect">
               <a:avLst/>
@@ -29313,7 +29359,10 @@
             </a:bodyPr>
             <a:lstStyle/>
             <a:p>
-              <a:pPr algn="ctr"/>
+              <a:pPr marL="285750" indent="-285750" algn="ctr">
+                <a:buFont typeface="Arial" panose="020B0604020202020204" pitchFamily="34" charset="0"/>
+                <a:buChar char="•"/>
+              </a:pPr>
               <a:r>
                 <a:rPr lang="en-US" b="1" dirty="0">
                   <a:solidFill>
@@ -29324,6 +29373,35 @@
                 </a:rPr>
                 <a:t>DATA TECHNIQUES</a:t>
               </a:r>
+            </a:p>
+            <a:p>
+              <a:pPr marL="285750" indent="-285750" algn="ctr">
+                <a:buFont typeface="Arial" panose="020B0604020202020204" pitchFamily="34" charset="0"/>
+                <a:buChar char="•"/>
+              </a:pPr>
+              <a:r>
+                <a:rPr lang="en-US" b="1" dirty="0">
+                  <a:solidFill>
+                    <a:schemeClr val="accent4">
+                      <a:lumMod val="75000"/>
+                    </a:schemeClr>
+                  </a:solidFill>
+                </a:rPr>
+                <a:t>S&amp;P 500 data, sourced csv through webpage and used the read_csv format to pull.</a:t>
+              </a:r>
+            </a:p>
+            <a:p>
+              <a:pPr marL="285750" indent="-285750" algn="ctr">
+                <a:buFont typeface="Arial" panose="020B0604020202020204" pitchFamily="34" charset="0"/>
+                <a:buChar char="•"/>
+              </a:pPr>
+              <a:endParaRPr lang="en-US" b="1" dirty="0">
+                <a:solidFill>
+                  <a:schemeClr val="accent4">
+                    <a:lumMod val="75000"/>
+                  </a:schemeClr>
+                </a:solidFill>
+              </a:endParaRPr>
             </a:p>
           </p:txBody>
         </p:sp>
@@ -29617,7 +29695,7 @@
                     </a:schemeClr>
                   </a:solidFill>
                 </a:rPr>
-                <a:t>Stock market crashing X%</a:t>
+                <a:t>Stock market crashing by 9.34% in 2022 </a:t>
               </a:r>
             </a:p>
             <a:p>
@@ -29639,6 +29717,36 @@
           </p:txBody>
         </p:sp>
       </p:grpSp>
+      <p:pic>
+        <p:nvPicPr>
+          <p:cNvPr id="16" name="Picture 15">
+            <a:extLst>
+              <a:ext uri="{FF2B5EF4-FFF2-40B4-BE49-F238E27FC236}">
+                <a16:creationId xmlns:a16="http://schemas.microsoft.com/office/drawing/2014/main" id="{5B3BDA7F-7EE1-CEE3-3BFD-B66BBD58D78F}"/>
+              </a:ext>
+            </a:extLst>
+          </p:cNvPr>
+          <p:cNvPicPr>
+            <a:picLocks noChangeAspect="1"/>
+          </p:cNvPicPr>
+          <p:nvPr/>
+        </p:nvPicPr>
+        <p:blipFill>
+          <a:blip r:embed="rId2"/>
+          <a:stretch>
+            <a:fillRect/>
+          </a:stretch>
+        </p:blipFill>
+        <p:spPr>
+          <a:xfrm>
+            <a:off x="6354195" y="971601"/>
+            <a:ext cx="5338860" cy="3238897"/>
+          </a:xfrm>
+          <a:prstGeom prst="rect">
+            <a:avLst/>
+          </a:prstGeom>
+        </p:spPr>
+      </p:pic>
     </p:spTree>
     <p:extLst>
       <p:ext uri="{BB962C8B-B14F-4D97-AF65-F5344CB8AC3E}">
@@ -31031,8 +31139,8 @@
           </p:nvSpPr>
           <p:spPr>
             <a:xfrm>
-              <a:off x="479707" y="5524689"/>
-              <a:ext cx="4858027" cy="369332"/>
+              <a:off x="479707" y="5139969"/>
+              <a:ext cx="4858027" cy="1138773"/>
             </a:xfrm>
             <a:prstGeom prst="rect">
               <a:avLst/>
@@ -31056,6 +31164,32 @@
                 </a:rPr>
                 <a:t>DATA TECHNIQUES</a:t>
               </a:r>
+            </a:p>
+            <a:p>
+              <a:pPr marL="285750" indent="-285750" algn="ctr">
+                <a:buFont typeface="Arial" panose="020B0604020202020204" pitchFamily="34" charset="0"/>
+                <a:buChar char="•"/>
+              </a:pPr>
+              <a:r>
+                <a:rPr lang="en-US" sz="1600" b="1" dirty="0">
+                  <a:solidFill>
+                    <a:schemeClr val="accent4">
+                      <a:lumMod val="75000"/>
+                    </a:schemeClr>
+                  </a:solidFill>
+                </a:rPr>
+                <a:t>S&amp;P 500 data, sourced csv through webpage and used the read_csv format to pull.</a:t>
+              </a:r>
+            </a:p>
+            <a:p>
+              <a:pPr algn="ctr"/>
+              <a:endParaRPr lang="en-US" b="1" dirty="0">
+                <a:solidFill>
+                  <a:schemeClr val="accent4">
+                    <a:lumMod val="75000"/>
+                  </a:schemeClr>
+                </a:solidFill>
+              </a:endParaRPr>
             </a:p>
           </p:txBody>
         </p:sp>
@@ -31190,10 +31324,10 @@
         </p:nvGrpSpPr>
         <p:grpSpPr>
           <a:xfrm>
-            <a:off x="371475" y="997200"/>
-            <a:ext cx="5338860" cy="1870958"/>
-            <a:chOff x="359328" y="4773876"/>
-            <a:chExt cx="5041784" cy="1870958"/>
+            <a:off x="371475" y="701579"/>
+            <a:ext cx="5338860" cy="2462213"/>
+            <a:chOff x="359328" y="4478255"/>
+            <a:chExt cx="5041784" cy="2462213"/>
           </a:xfrm>
           <a:solidFill>
             <a:schemeClr val="accent2">
@@ -31263,8 +31397,8 @@
           </p:nvSpPr>
           <p:spPr>
             <a:xfrm>
-              <a:off x="479705" y="5524689"/>
-              <a:ext cx="4850916" cy="369332"/>
+              <a:off x="479705" y="4478255"/>
+              <a:ext cx="4850916" cy="2462213"/>
             </a:xfrm>
             <a:prstGeom prst="rect">
               <a:avLst/>
@@ -31279,19 +31413,122 @@
             <a:p>
               <a:pPr algn="ctr"/>
               <a:r>
-                <a:rPr lang="en-US" b="1" dirty="0">
+                <a:rPr lang="en-US" sz="1400" b="1" dirty="0">
                   <a:solidFill>
                     <a:schemeClr val="accent4">
                       <a:lumMod val="75000"/>
                     </a:schemeClr>
                   </a:solidFill>
                 </a:rPr>
-                <a:t>KEY FINDINGS</a:t>
+                <a:t>The stock market is not the most important indicator. However, it is one of the most well-known and widely followed.</a:t>
+              </a:r>
+            </a:p>
+            <a:p>
+              <a:pPr algn="ctr"/>
+              <a:endParaRPr lang="en-US" sz="1400" b="1" dirty="0">
+                <a:solidFill>
+                  <a:schemeClr val="accent4">
+                    <a:lumMod val="75000"/>
+                  </a:schemeClr>
+                </a:solidFill>
+              </a:endParaRPr>
+            </a:p>
+            <a:p>
+              <a:pPr algn="ctr"/>
+              <a:r>
+                <a:rPr lang="en-US" sz="1400" b="1" dirty="0">
+                  <a:solidFill>
+                    <a:schemeClr val="accent4">
+                      <a:lumMod val="75000"/>
+                    </a:schemeClr>
+                  </a:solidFill>
+                </a:rPr>
+                <a:t>Comparing the 70’s to the 20’s – the changes in inflation correlates slightly with the stock market. In more recent times there have been a bit more consistency with the rate of inflation, which makes it easier to spot a macroeconomic issue that may have varying impacts on stocks which could in turn increase market volatility. This still does not serve as an outright indicator. However, historically and even as seen on the seventies chart, higher inflation has correlated </a:t>
+              </a:r>
+              <a:r>
+                <a:rPr lang="en-US" sz="1400" b="1">
+                  <a:solidFill>
+                    <a:schemeClr val="accent4">
+                      <a:lumMod val="75000"/>
+                    </a:schemeClr>
+                  </a:solidFill>
+                </a:rPr>
+                <a:t>with lower stock </a:t>
+              </a:r>
+              <a:r>
+                <a:rPr lang="en-US" sz="1400" b="1" dirty="0">
+                  <a:solidFill>
+                    <a:schemeClr val="accent4">
+                      <a:lumMod val="75000"/>
+                    </a:schemeClr>
+                  </a:solidFill>
+                </a:rPr>
+                <a:t>market returns</a:t>
               </a:r>
             </a:p>
           </p:txBody>
         </p:sp>
       </p:grpSp>
+      <p:pic>
+        <p:nvPicPr>
+          <p:cNvPr id="16" name="Picture 15">
+            <a:extLst>
+              <a:ext uri="{FF2B5EF4-FFF2-40B4-BE49-F238E27FC236}">
+                <a16:creationId xmlns:a16="http://schemas.microsoft.com/office/drawing/2014/main" id="{FB77B01C-0B17-A2DB-F180-0752B155E7B9}"/>
+              </a:ext>
+            </a:extLst>
+          </p:cNvPr>
+          <p:cNvPicPr>
+            <a:picLocks noChangeAspect="1"/>
+          </p:cNvPicPr>
+          <p:nvPr/>
+        </p:nvPicPr>
+        <p:blipFill>
+          <a:blip r:embed="rId2"/>
+          <a:stretch>
+            <a:fillRect/>
+          </a:stretch>
+        </p:blipFill>
+        <p:spPr>
+          <a:xfrm>
+            <a:off x="6354195" y="1008187"/>
+            <a:ext cx="5466330" cy="3216923"/>
+          </a:xfrm>
+          <a:prstGeom prst="rect">
+            <a:avLst/>
+          </a:prstGeom>
+        </p:spPr>
+      </p:pic>
+      <p:pic>
+        <p:nvPicPr>
+          <p:cNvPr id="18" name="Picture 17">
+            <a:extLst>
+              <a:ext uri="{FF2B5EF4-FFF2-40B4-BE49-F238E27FC236}">
+                <a16:creationId xmlns:a16="http://schemas.microsoft.com/office/drawing/2014/main" id="{1E199161-A351-EBE9-3662-D6448B06D949}"/>
+              </a:ext>
+            </a:extLst>
+          </p:cNvPr>
+          <p:cNvPicPr>
+            <a:picLocks noChangeAspect="1"/>
+          </p:cNvPicPr>
+          <p:nvPr/>
+        </p:nvPicPr>
+        <p:blipFill>
+          <a:blip r:embed="rId3"/>
+          <a:stretch>
+            <a:fillRect/>
+          </a:stretch>
+        </p:blipFill>
+        <p:spPr>
+          <a:xfrm>
+            <a:off x="435210" y="3495795"/>
+            <a:ext cx="5466330" cy="3216923"/>
+          </a:xfrm>
+          <a:prstGeom prst="rect">
+            <a:avLst/>
+          </a:prstGeom>
+        </p:spPr>
+      </p:pic>
     </p:spTree>
     <p:extLst>
       <p:ext uri="{BB962C8B-B14F-4D97-AF65-F5344CB8AC3E}">
